--- a/Semester 2/Dave 3D Modelling/3D Modelling Props Mood Board.pptx
+++ b/Semester 2/Dave 3D Modelling/3D Modelling Props Mood Board.pptx
@@ -106,7 +106,7 @@
   </p:defaultTextStyle>
   <p:extLst>
     <p:ext uri="{EFAFB233-063F-42B5-8137-9DF3F51BA10A}">
-      <p15:sldGuideLst xmlns:p15="http://schemas.microsoft.com/office/powerpoint/2012/main">
+      <p15:sldGuideLst xmlns:p15="http://schemas.microsoft.com/office/powerpoint/2012/main" xmlns="">
         <p15:guide id="1" orient="horz" pos="2160">
           <p15:clr>
             <a:srgbClr val="A4A3A4"/>
@@ -304,7 +304,8 @@
           <a:p>
             <a:fld id="{D0879234-F82A-445F-ADCC-F423599BFB5F}" type="datetimeFigureOut">
               <a:rPr lang="en-GB" smtClean="0"/>
-              <a:t>31/03/2017</a:t>
+              <a:pPr/>
+              <a:t>10/04/2017</a:t>
             </a:fld>
             <a:endParaRPr lang="en-GB"/>
           </a:p>
@@ -346,6 +347,7 @@
           <a:p>
             <a:fld id="{1A98DD84-EAFE-45A0-893C-15281F7BC79D}" type="slidenum">
               <a:rPr lang="en-GB" smtClean="0"/>
+              <a:pPr/>
               <a:t>‹#›</a:t>
             </a:fld>
             <a:endParaRPr lang="en-GB"/>
@@ -469,7 +471,8 @@
           <a:p>
             <a:fld id="{D0879234-F82A-445F-ADCC-F423599BFB5F}" type="datetimeFigureOut">
               <a:rPr lang="en-GB" smtClean="0"/>
-              <a:t>31/03/2017</a:t>
+              <a:pPr/>
+              <a:t>10/04/2017</a:t>
             </a:fld>
             <a:endParaRPr lang="en-GB"/>
           </a:p>
@@ -511,6 +514,7 @@
           <a:p>
             <a:fld id="{1A98DD84-EAFE-45A0-893C-15281F7BC79D}" type="slidenum">
               <a:rPr lang="en-GB" smtClean="0"/>
+              <a:pPr/>
               <a:t>‹#›</a:t>
             </a:fld>
             <a:endParaRPr lang="en-GB"/>
@@ -644,7 +648,8 @@
           <a:p>
             <a:fld id="{D0879234-F82A-445F-ADCC-F423599BFB5F}" type="datetimeFigureOut">
               <a:rPr lang="en-GB" smtClean="0"/>
-              <a:t>31/03/2017</a:t>
+              <a:pPr/>
+              <a:t>10/04/2017</a:t>
             </a:fld>
             <a:endParaRPr lang="en-GB"/>
           </a:p>
@@ -686,6 +691,7 @@
           <a:p>
             <a:fld id="{1A98DD84-EAFE-45A0-893C-15281F7BC79D}" type="slidenum">
               <a:rPr lang="en-GB" smtClean="0"/>
+              <a:pPr/>
               <a:t>‹#›</a:t>
             </a:fld>
             <a:endParaRPr lang="en-GB"/>
@@ -809,7 +815,8 @@
           <a:p>
             <a:fld id="{D0879234-F82A-445F-ADCC-F423599BFB5F}" type="datetimeFigureOut">
               <a:rPr lang="en-GB" smtClean="0"/>
-              <a:t>31/03/2017</a:t>
+              <a:pPr/>
+              <a:t>10/04/2017</a:t>
             </a:fld>
             <a:endParaRPr lang="en-GB"/>
           </a:p>
@@ -851,6 +858,7 @@
           <a:p>
             <a:fld id="{1A98DD84-EAFE-45A0-893C-15281F7BC79D}" type="slidenum">
               <a:rPr lang="en-GB" smtClean="0"/>
+              <a:pPr/>
               <a:t>‹#›</a:t>
             </a:fld>
             <a:endParaRPr lang="en-GB"/>
@@ -1050,7 +1058,8 @@
           <a:p>
             <a:fld id="{D0879234-F82A-445F-ADCC-F423599BFB5F}" type="datetimeFigureOut">
               <a:rPr lang="en-GB" smtClean="0"/>
-              <a:t>31/03/2017</a:t>
+              <a:pPr/>
+              <a:t>10/04/2017</a:t>
             </a:fld>
             <a:endParaRPr lang="en-GB"/>
           </a:p>
@@ -1092,6 +1101,7 @@
           <a:p>
             <a:fld id="{1A98DD84-EAFE-45A0-893C-15281F7BC79D}" type="slidenum">
               <a:rPr lang="en-GB" smtClean="0"/>
+              <a:pPr/>
               <a:t>‹#›</a:t>
             </a:fld>
             <a:endParaRPr lang="en-GB"/>
@@ -1333,7 +1343,8 @@
           <a:p>
             <a:fld id="{D0879234-F82A-445F-ADCC-F423599BFB5F}" type="datetimeFigureOut">
               <a:rPr lang="en-GB" smtClean="0"/>
-              <a:t>31/03/2017</a:t>
+              <a:pPr/>
+              <a:t>10/04/2017</a:t>
             </a:fld>
             <a:endParaRPr lang="en-GB"/>
           </a:p>
@@ -1375,6 +1386,7 @@
           <a:p>
             <a:fld id="{1A98DD84-EAFE-45A0-893C-15281F7BC79D}" type="slidenum">
               <a:rPr lang="en-GB" smtClean="0"/>
+              <a:pPr/>
               <a:t>‹#›</a:t>
             </a:fld>
             <a:endParaRPr lang="en-GB"/>
@@ -1750,7 +1762,8 @@
           <a:p>
             <a:fld id="{D0879234-F82A-445F-ADCC-F423599BFB5F}" type="datetimeFigureOut">
               <a:rPr lang="en-GB" smtClean="0"/>
-              <a:t>31/03/2017</a:t>
+              <a:pPr/>
+              <a:t>10/04/2017</a:t>
             </a:fld>
             <a:endParaRPr lang="en-GB"/>
           </a:p>
@@ -1792,6 +1805,7 @@
           <a:p>
             <a:fld id="{1A98DD84-EAFE-45A0-893C-15281F7BC79D}" type="slidenum">
               <a:rPr lang="en-GB" smtClean="0"/>
+              <a:pPr/>
               <a:t>‹#›</a:t>
             </a:fld>
             <a:endParaRPr lang="en-GB"/>
@@ -1863,7 +1877,8 @@
           <a:p>
             <a:fld id="{D0879234-F82A-445F-ADCC-F423599BFB5F}" type="datetimeFigureOut">
               <a:rPr lang="en-GB" smtClean="0"/>
-              <a:t>31/03/2017</a:t>
+              <a:pPr/>
+              <a:t>10/04/2017</a:t>
             </a:fld>
             <a:endParaRPr lang="en-GB"/>
           </a:p>
@@ -1905,6 +1920,7 @@
           <a:p>
             <a:fld id="{1A98DD84-EAFE-45A0-893C-15281F7BC79D}" type="slidenum">
               <a:rPr lang="en-GB" smtClean="0"/>
+              <a:pPr/>
               <a:t>‹#›</a:t>
             </a:fld>
             <a:endParaRPr lang="en-GB"/>
@@ -1953,7 +1969,8 @@
           <a:p>
             <a:fld id="{D0879234-F82A-445F-ADCC-F423599BFB5F}" type="datetimeFigureOut">
               <a:rPr lang="en-GB" smtClean="0"/>
-              <a:t>31/03/2017</a:t>
+              <a:pPr/>
+              <a:t>10/04/2017</a:t>
             </a:fld>
             <a:endParaRPr lang="en-GB"/>
           </a:p>
@@ -1995,6 +2012,7 @@
           <a:p>
             <a:fld id="{1A98DD84-EAFE-45A0-893C-15281F7BC79D}" type="slidenum">
               <a:rPr lang="en-GB" smtClean="0"/>
+              <a:pPr/>
               <a:t>‹#›</a:t>
             </a:fld>
             <a:endParaRPr lang="en-GB"/>
@@ -2225,7 +2243,8 @@
           <a:p>
             <a:fld id="{D0879234-F82A-445F-ADCC-F423599BFB5F}" type="datetimeFigureOut">
               <a:rPr lang="en-GB" smtClean="0"/>
-              <a:t>31/03/2017</a:t>
+              <a:pPr/>
+              <a:t>10/04/2017</a:t>
             </a:fld>
             <a:endParaRPr lang="en-GB"/>
           </a:p>
@@ -2267,6 +2286,7 @@
           <a:p>
             <a:fld id="{1A98DD84-EAFE-45A0-893C-15281F7BC79D}" type="slidenum">
               <a:rPr lang="en-GB" smtClean="0"/>
+              <a:pPr/>
               <a:t>‹#›</a:t>
             </a:fld>
             <a:endParaRPr lang="en-GB"/>
@@ -2473,7 +2493,8 @@
           <a:p>
             <a:fld id="{D0879234-F82A-445F-ADCC-F423599BFB5F}" type="datetimeFigureOut">
               <a:rPr lang="en-GB" smtClean="0"/>
-              <a:t>31/03/2017</a:t>
+              <a:pPr/>
+              <a:t>10/04/2017</a:t>
             </a:fld>
             <a:endParaRPr lang="en-GB"/>
           </a:p>
@@ -2515,6 +2536,7 @@
           <a:p>
             <a:fld id="{1A98DD84-EAFE-45A0-893C-15281F7BC79D}" type="slidenum">
               <a:rPr lang="en-GB" smtClean="0"/>
+              <a:pPr/>
               <a:t>‹#›</a:t>
             </a:fld>
             <a:endParaRPr lang="en-GB"/>
@@ -2681,7 +2703,8 @@
           <a:p>
             <a:fld id="{D0879234-F82A-445F-ADCC-F423599BFB5F}" type="datetimeFigureOut">
               <a:rPr lang="en-GB" smtClean="0"/>
-              <a:t>31/03/2017</a:t>
+              <a:pPr/>
+              <a:t>10/04/2017</a:t>
             </a:fld>
             <a:endParaRPr lang="en-GB"/>
           </a:p>
@@ -2759,6 +2782,7 @@
           <a:p>
             <a:fld id="{1A98DD84-EAFE-45A0-893C-15281F7BC79D}" type="slidenum">
               <a:rPr lang="en-GB" smtClean="0"/>
+              <a:pPr/>
               <a:t>‹#›</a:t>
             </a:fld>
             <a:endParaRPr lang="en-GB"/>
@@ -3053,7 +3077,7 @@
       </p:grpSpPr>
       <p:pic>
         <p:nvPicPr>
-          <p:cNvPr id="10246" name="Picture 6" descr="Image result for sewer props"/>
+          <p:cNvPr id="1028" name="Picture 4" descr="rusty metal chain hanging over the asphalt and casts a shadow Stock Photo "/>
           <p:cNvPicPr>
             <a:picLocks noChangeAspect="1" noChangeArrowheads="1"/>
           </p:cNvPicPr>
@@ -3068,8 +3092,34 @@
         </p:blipFill>
         <p:spPr bwMode="auto">
           <a:xfrm>
-            <a:off x="5087990" y="0"/>
-            <a:ext cx="2895644" cy="1628800"/>
+            <a:off x="4716016" y="3212976"/>
+            <a:ext cx="2268171" cy="1584176"/>
+          </a:xfrm>
+          <a:prstGeom prst="rect">
+            <a:avLst/>
+          </a:prstGeom>
+          <a:noFill/>
+        </p:spPr>
+      </p:pic>
+      <p:pic>
+        <p:nvPicPr>
+          <p:cNvPr id="10256" name="Picture 16" descr="Image result for sewer barrels"/>
+          <p:cNvPicPr>
+            <a:picLocks noChangeAspect="1" noChangeArrowheads="1"/>
+          </p:cNvPicPr>
+          <p:nvPr/>
+        </p:nvPicPr>
+        <p:blipFill>
+          <a:blip r:embed="rId3" cstate="print"/>
+          <a:srcRect l="26474" t="25000" r="9987" b="11364"/>
+          <a:stretch>
+            <a:fillRect/>
+          </a:stretch>
+        </p:blipFill>
+        <p:spPr bwMode="auto">
+          <a:xfrm>
+            <a:off x="6948264" y="0"/>
+            <a:ext cx="1425513" cy="1663098"/>
           </a:xfrm>
           <a:prstGeom prst="rect">
             <a:avLst/>
@@ -3086,13 +3136,13 @@
           <p:nvPr/>
         </p:nvPicPr>
         <p:blipFill rotWithShape="1">
-          <a:blip r:embed="rId3" cstate="print"/>
+          <a:blip r:embed="rId4" cstate="print"/>
           <a:srcRect l="49208" b="36908"/>
           <a:stretch/>
         </p:blipFill>
         <p:spPr bwMode="auto">
           <a:xfrm>
-            <a:off x="2267745" y="1692277"/>
+            <a:off x="4211960" y="0"/>
             <a:ext cx="2134146" cy="1491154"/>
           </a:xfrm>
           <a:prstGeom prst="rect">
@@ -3110,7 +3160,7 @@
           <p:nvPr/>
         </p:nvPicPr>
         <p:blipFill>
-          <a:blip r:embed="rId4" cstate="print"/>
+          <a:blip r:embed="rId5" cstate="print"/>
           <a:srcRect r="33795"/>
           <a:stretch>
             <a:fillRect/>
@@ -3118,8 +3168,8 @@
         </p:blipFill>
         <p:spPr bwMode="auto">
           <a:xfrm>
-            <a:off x="92861" y="1692277"/>
-            <a:ext cx="2030867" cy="1725500"/>
+            <a:off x="1" y="1628800"/>
+            <a:ext cx="1864532" cy="1584176"/>
           </a:xfrm>
           <a:prstGeom prst="rect">
             <a:avLst/>
@@ -3136,7 +3186,7 @@
           <p:nvPr/>
         </p:nvPicPr>
         <p:blipFill>
-          <a:blip r:embed="rId5" cstate="print"/>
+          <a:blip r:embed="rId6" cstate="print"/>
           <a:srcRect/>
           <a:stretch>
             <a:fillRect/>
@@ -3144,8 +3194,8 @@
         </p:blipFill>
         <p:spPr bwMode="auto">
           <a:xfrm>
-            <a:off x="2627784" y="0"/>
-            <a:ext cx="2171733" cy="1628800"/>
+            <a:off x="1979713" y="0"/>
+            <a:ext cx="1787690" cy="1340768"/>
           </a:xfrm>
           <a:prstGeom prst="rect">
             <a:avLst/>
@@ -3162,7 +3212,7 @@
           <p:nvPr/>
         </p:nvPicPr>
         <p:blipFill>
-          <a:blip r:embed="rId6" cstate="print"/>
+          <a:blip r:embed="rId7" cstate="print"/>
           <a:srcRect/>
           <a:stretch>
             <a:fillRect/>
@@ -3170,8 +3220,8 @@
         </p:blipFill>
         <p:spPr bwMode="auto">
           <a:xfrm>
-            <a:off x="0" y="0"/>
-            <a:ext cx="2171733" cy="1628800"/>
+            <a:off x="1" y="0"/>
+            <a:ext cx="1787690" cy="1340768"/>
           </a:xfrm>
           <a:prstGeom prst="rect">
             <a:avLst/>
@@ -3210,7 +3260,7 @@
           <p:nvPr/>
         </p:nvPicPr>
         <p:blipFill>
-          <a:blip r:embed="rId7" cstate="print"/>
+          <a:blip r:embed="rId8" cstate="print"/>
           <a:srcRect/>
           <a:stretch>
             <a:fillRect/>
@@ -3218,8 +3268,8 @@
         </p:blipFill>
         <p:spPr bwMode="auto">
           <a:xfrm>
-            <a:off x="4544774" y="1772816"/>
-            <a:ext cx="2193281" cy="1644961"/>
+            <a:off x="6876256" y="1700808"/>
+            <a:ext cx="2016224" cy="1512168"/>
           </a:xfrm>
           <a:prstGeom prst="rect">
             <a:avLst/>
@@ -3236,7 +3286,7 @@
           <p:nvPr/>
         </p:nvPicPr>
         <p:blipFill>
-          <a:blip r:embed="rId8" cstate="print"/>
+          <a:blip r:embed="rId9" cstate="print"/>
           <a:srcRect/>
           <a:stretch>
             <a:fillRect/>
@@ -3244,34 +3294,8 @@
         </p:blipFill>
         <p:spPr bwMode="auto">
           <a:xfrm>
-            <a:off x="92861" y="3514604"/>
-            <a:ext cx="2078872" cy="1663098"/>
-          </a:xfrm>
-          <a:prstGeom prst="rect">
-            <a:avLst/>
-          </a:prstGeom>
-          <a:noFill/>
-        </p:spPr>
-      </p:pic>
-      <p:pic>
-        <p:nvPicPr>
-          <p:cNvPr id="10256" name="Picture 16" descr="Image result for sewer barrels"/>
-          <p:cNvPicPr>
-            <a:picLocks noChangeAspect="1" noChangeArrowheads="1"/>
-          </p:cNvPicPr>
-          <p:nvPr/>
-        </p:nvPicPr>
-        <p:blipFill>
-          <a:blip r:embed="rId9" cstate="print"/>
-          <a:srcRect l="26474" t="25000" r="9987" b="11364"/>
-          <a:stretch>
-            <a:fillRect/>
-          </a:stretch>
-        </p:blipFill>
-        <p:spPr bwMode="auto">
-          <a:xfrm>
-            <a:off x="7092875" y="1772816"/>
-            <a:ext cx="1425513" cy="1663098"/>
+            <a:off x="1979712" y="1628800"/>
+            <a:ext cx="1980220" cy="1584176"/>
           </a:xfrm>
           <a:prstGeom prst="rect">
             <a:avLst/>
@@ -3296,8 +3320,8 @@
         </p:blipFill>
         <p:spPr bwMode="auto">
           <a:xfrm>
-            <a:off x="2343098" y="3547358"/>
-            <a:ext cx="2793566" cy="1630344"/>
+            <a:off x="107504" y="3284984"/>
+            <a:ext cx="2376264" cy="1386804"/>
           </a:xfrm>
           <a:prstGeom prst="rect">
             <a:avLst/>
@@ -3317,7 +3341,7 @@
           <a:blip r:embed="rId11" cstate="print">
             <a:extLst>
               <a:ext uri="{28A0092B-C50C-407E-A947-70E740481C1C}">
-                <a14:useLocalDpi xmlns:a14="http://schemas.microsoft.com/office/drawing/2010/main" val="0"/>
+                <a14:useLocalDpi xmlns:a14="http://schemas.microsoft.com/office/drawing/2010/main" xmlns="" val="0"/>
               </a:ext>
             </a:extLst>
           </a:blip>
@@ -3328,8 +3352,8 @@
         </p:blipFill>
         <p:spPr bwMode="auto">
           <a:xfrm>
-            <a:off x="5308029" y="3561793"/>
-            <a:ext cx="2154545" cy="1615909"/>
+            <a:off x="2627784" y="3284984"/>
+            <a:ext cx="1944216" cy="1458162"/>
           </a:xfrm>
           <a:prstGeom prst="rect">
             <a:avLst/>
@@ -3337,13 +3361,143 @@
           <a:noFill/>
           <a:extLst>
             <a:ext uri="{909E8E84-426E-40DD-AFC4-6F175D3DCCD1}">
-              <a14:hiddenFill xmlns:a14="http://schemas.microsoft.com/office/drawing/2010/main">
+              <a14:hiddenFill xmlns:a14="http://schemas.microsoft.com/office/drawing/2010/main" xmlns="">
                 <a:solidFill>
                   <a:srgbClr val="FFFFFF"/>
                 </a:solidFill>
               </a14:hiddenFill>
             </a:ext>
           </a:extLst>
+        </p:spPr>
+      </p:pic>
+      <p:pic>
+        <p:nvPicPr>
+          <p:cNvPr id="3" name="Picture 2" descr="Old sewer entrance"/>
+          <p:cNvPicPr>
+            <a:picLocks noChangeAspect="1" noChangeArrowheads="1"/>
+          </p:cNvPicPr>
+          <p:nvPr/>
+        </p:nvPicPr>
+        <p:blipFill>
+          <a:blip r:embed="rId12" cstate="print"/>
+          <a:srcRect/>
+          <a:stretch>
+            <a:fillRect/>
+          </a:stretch>
+        </p:blipFill>
+        <p:spPr bwMode="auto">
+          <a:xfrm>
+            <a:off x="7236296" y="3356992"/>
+            <a:ext cx="1440160" cy="1917373"/>
+          </a:xfrm>
+          <a:prstGeom prst="rect">
+            <a:avLst/>
+          </a:prstGeom>
+          <a:noFill/>
+        </p:spPr>
+      </p:pic>
+      <p:pic>
+        <p:nvPicPr>
+          <p:cNvPr id="1030" name="Picture 6" descr=".: "/>
+          <p:cNvPicPr>
+            <a:picLocks noChangeAspect="1" noChangeArrowheads="1"/>
+          </p:cNvPicPr>
+          <p:nvPr/>
+        </p:nvPicPr>
+        <p:blipFill>
+          <a:blip r:embed="rId13" cstate="print"/>
+          <a:srcRect/>
+          <a:stretch>
+            <a:fillRect/>
+          </a:stretch>
+        </p:blipFill>
+        <p:spPr bwMode="auto">
+          <a:xfrm>
+            <a:off x="179512" y="4797152"/>
+            <a:ext cx="1404156" cy="1872208"/>
+          </a:xfrm>
+          <a:prstGeom prst="rect">
+            <a:avLst/>
+          </a:prstGeom>
+          <a:noFill/>
+        </p:spPr>
+      </p:pic>
+      <p:pic>
+        <p:nvPicPr>
+          <p:cNvPr id="1032" name="Picture 8" descr="Ancient iron chest,old box rusty, isolated on white background Stock Photo - 28571817"/>
+          <p:cNvPicPr>
+            <a:picLocks noChangeAspect="1" noChangeArrowheads="1"/>
+          </p:cNvPicPr>
+          <p:nvPr/>
+        </p:nvPicPr>
+        <p:blipFill>
+          <a:blip r:embed="rId14" cstate="print"/>
+          <a:srcRect/>
+          <a:stretch>
+            <a:fillRect/>
+          </a:stretch>
+        </p:blipFill>
+        <p:spPr bwMode="auto">
+          <a:xfrm>
+            <a:off x="1691680" y="4941168"/>
+            <a:ext cx="2520280" cy="1680187"/>
+          </a:xfrm>
+          <a:prstGeom prst="rect">
+            <a:avLst/>
+          </a:prstGeom>
+          <a:noFill/>
+        </p:spPr>
+      </p:pic>
+      <p:pic>
+        <p:nvPicPr>
+          <p:cNvPr id="1034" name="Picture 10" descr="Cutlery found in sewer"/>
+          <p:cNvPicPr>
+            <a:picLocks noChangeAspect="1" noChangeArrowheads="1"/>
+          </p:cNvPicPr>
+          <p:nvPr/>
+        </p:nvPicPr>
+        <p:blipFill>
+          <a:blip r:embed="rId15" cstate="print"/>
+          <a:srcRect/>
+          <a:stretch>
+            <a:fillRect/>
+          </a:stretch>
+        </p:blipFill>
+        <p:spPr bwMode="auto">
+          <a:xfrm>
+            <a:off x="4427984" y="5013176"/>
+            <a:ext cx="2664296" cy="1645929"/>
+          </a:xfrm>
+          <a:prstGeom prst="rect">
+            <a:avLst/>
+          </a:prstGeom>
+          <a:noFill/>
+        </p:spPr>
+      </p:pic>
+      <p:pic>
+        <p:nvPicPr>
+          <p:cNvPr id="10246" name="Picture 6" descr="Image result for sewer props"/>
+          <p:cNvPicPr>
+            <a:picLocks noChangeAspect="1" noChangeArrowheads="1"/>
+          </p:cNvPicPr>
+          <p:nvPr/>
+        </p:nvPicPr>
+        <p:blipFill>
+          <a:blip r:embed="rId16" cstate="print"/>
+          <a:srcRect/>
+          <a:stretch>
+            <a:fillRect/>
+          </a:stretch>
+        </p:blipFill>
+        <p:spPr bwMode="auto">
+          <a:xfrm>
+            <a:off x="4067944" y="1651303"/>
+            <a:ext cx="2520280" cy="1417657"/>
+          </a:xfrm>
+          <a:prstGeom prst="rect">
+            <a:avLst/>
+          </a:prstGeom>
+          <a:noFill/>
         </p:spPr>
       </p:pic>
     </p:spTree>

--- a/Semester 2/Dave 3D Modelling/3D Modelling Props Mood Board.pptx
+++ b/Semester 2/Dave 3D Modelling/3D Modelling Props Mood Board.pptx
@@ -106,7 +106,7 @@
   </p:defaultTextStyle>
   <p:extLst>
     <p:ext uri="{EFAFB233-063F-42B5-8137-9DF3F51BA10A}">
-      <p15:sldGuideLst xmlns:p15="http://schemas.microsoft.com/office/powerpoint/2012/main" xmlns="">
+      <p15:sldGuideLst xmlns:p15="http://schemas.microsoft.com/office/powerpoint/2012/main">
         <p15:guide id="1" orient="horz" pos="2160">
           <p15:clr>
             <a:srgbClr val="A4A3A4"/>
@@ -305,7 +305,7 @@
             <a:fld id="{D0879234-F82A-445F-ADCC-F423599BFB5F}" type="datetimeFigureOut">
               <a:rPr lang="en-GB" smtClean="0"/>
               <a:pPr/>
-              <a:t>10/04/2017</a:t>
+              <a:t>11/04/2017</a:t>
             </a:fld>
             <a:endParaRPr lang="en-GB"/>
           </a:p>
@@ -472,7 +472,7 @@
             <a:fld id="{D0879234-F82A-445F-ADCC-F423599BFB5F}" type="datetimeFigureOut">
               <a:rPr lang="en-GB" smtClean="0"/>
               <a:pPr/>
-              <a:t>10/04/2017</a:t>
+              <a:t>11/04/2017</a:t>
             </a:fld>
             <a:endParaRPr lang="en-GB"/>
           </a:p>
@@ -649,7 +649,7 @@
             <a:fld id="{D0879234-F82A-445F-ADCC-F423599BFB5F}" type="datetimeFigureOut">
               <a:rPr lang="en-GB" smtClean="0"/>
               <a:pPr/>
-              <a:t>10/04/2017</a:t>
+              <a:t>11/04/2017</a:t>
             </a:fld>
             <a:endParaRPr lang="en-GB"/>
           </a:p>
@@ -816,7 +816,7 @@
             <a:fld id="{D0879234-F82A-445F-ADCC-F423599BFB5F}" type="datetimeFigureOut">
               <a:rPr lang="en-GB" smtClean="0"/>
               <a:pPr/>
-              <a:t>10/04/2017</a:t>
+              <a:t>11/04/2017</a:t>
             </a:fld>
             <a:endParaRPr lang="en-GB"/>
           </a:p>
@@ -1059,7 +1059,7 @@
             <a:fld id="{D0879234-F82A-445F-ADCC-F423599BFB5F}" type="datetimeFigureOut">
               <a:rPr lang="en-GB" smtClean="0"/>
               <a:pPr/>
-              <a:t>10/04/2017</a:t>
+              <a:t>11/04/2017</a:t>
             </a:fld>
             <a:endParaRPr lang="en-GB"/>
           </a:p>
@@ -1344,7 +1344,7 @@
             <a:fld id="{D0879234-F82A-445F-ADCC-F423599BFB5F}" type="datetimeFigureOut">
               <a:rPr lang="en-GB" smtClean="0"/>
               <a:pPr/>
-              <a:t>10/04/2017</a:t>
+              <a:t>11/04/2017</a:t>
             </a:fld>
             <a:endParaRPr lang="en-GB"/>
           </a:p>
@@ -1763,7 +1763,7 @@
             <a:fld id="{D0879234-F82A-445F-ADCC-F423599BFB5F}" type="datetimeFigureOut">
               <a:rPr lang="en-GB" smtClean="0"/>
               <a:pPr/>
-              <a:t>10/04/2017</a:t>
+              <a:t>11/04/2017</a:t>
             </a:fld>
             <a:endParaRPr lang="en-GB"/>
           </a:p>
@@ -1878,7 +1878,7 @@
             <a:fld id="{D0879234-F82A-445F-ADCC-F423599BFB5F}" type="datetimeFigureOut">
               <a:rPr lang="en-GB" smtClean="0"/>
               <a:pPr/>
-              <a:t>10/04/2017</a:t>
+              <a:t>11/04/2017</a:t>
             </a:fld>
             <a:endParaRPr lang="en-GB"/>
           </a:p>
@@ -1970,7 +1970,7 @@
             <a:fld id="{D0879234-F82A-445F-ADCC-F423599BFB5F}" type="datetimeFigureOut">
               <a:rPr lang="en-GB" smtClean="0"/>
               <a:pPr/>
-              <a:t>10/04/2017</a:t>
+              <a:t>11/04/2017</a:t>
             </a:fld>
             <a:endParaRPr lang="en-GB"/>
           </a:p>
@@ -2244,7 +2244,7 @@
             <a:fld id="{D0879234-F82A-445F-ADCC-F423599BFB5F}" type="datetimeFigureOut">
               <a:rPr lang="en-GB" smtClean="0"/>
               <a:pPr/>
-              <a:t>10/04/2017</a:t>
+              <a:t>11/04/2017</a:t>
             </a:fld>
             <a:endParaRPr lang="en-GB"/>
           </a:p>
@@ -2494,7 +2494,7 @@
             <a:fld id="{D0879234-F82A-445F-ADCC-F423599BFB5F}" type="datetimeFigureOut">
               <a:rPr lang="en-GB" smtClean="0"/>
               <a:pPr/>
-              <a:t>10/04/2017</a:t>
+              <a:t>11/04/2017</a:t>
             </a:fld>
             <a:endParaRPr lang="en-GB"/>
           </a:p>
@@ -2704,7 +2704,7 @@
             <a:fld id="{D0879234-F82A-445F-ADCC-F423599BFB5F}" type="datetimeFigureOut">
               <a:rPr lang="en-GB" smtClean="0"/>
               <a:pPr/>
-              <a:t>10/04/2017</a:t>
+              <a:t>11/04/2017</a:t>
             </a:fld>
             <a:endParaRPr lang="en-GB"/>
           </a:p>
@@ -3341,7 +3341,7 @@
           <a:blip r:embed="rId11" cstate="print">
             <a:extLst>
               <a:ext uri="{28A0092B-C50C-407E-A947-70E740481C1C}">
-                <a14:useLocalDpi xmlns:a14="http://schemas.microsoft.com/office/drawing/2010/main" xmlns="" val="0"/>
+                <a14:useLocalDpi xmlns:a14="http://schemas.microsoft.com/office/drawing/2010/main" val="0"/>
               </a:ext>
             </a:extLst>
           </a:blip>
@@ -3361,7 +3361,7 @@
           <a:noFill/>
           <a:extLst>
             <a:ext uri="{909E8E84-426E-40DD-AFC4-6F175D3DCCD1}">
-              <a14:hiddenFill xmlns:a14="http://schemas.microsoft.com/office/drawing/2010/main" xmlns="">
+              <a14:hiddenFill xmlns:a14="http://schemas.microsoft.com/office/drawing/2010/main">
                 <a:solidFill>
                   <a:srgbClr val="FFFFFF"/>
                 </a:solidFill>
